--- a/07.Processes/07-Processes.pptx
+++ b/07.Processes/07-Processes.pptx
@@ -216,7 +216,7 @@
           <a:p>
             <a:fld id="{A214FDBA-27FC-E44F-AA15-55042CCDDDD7}" type="datetimeFigureOut">
               <a:rPr lang="en-US" smtClean="0"/>
-              <a:t>4/5/17</a:t>
+              <a:t>4/24/17</a:t>
             </a:fld>
             <a:endParaRPr lang="en-US"/>
           </a:p>
@@ -833,7 +833,7 @@
           <a:p>
             <a:fld id="{3EA744D9-3FBE-48D8-BF2A-85DF203E4D20}" type="datetimeFigureOut">
               <a:rPr lang="bg-BG" smtClean="0"/>
-              <a:t>5.04.17 г.</a:t>
+              <a:t>24.04.17 г.</a:t>
             </a:fld>
             <a:endParaRPr lang="bg-BG"/>
           </a:p>
@@ -1003,7 +1003,7 @@
           <a:p>
             <a:fld id="{3EA744D9-3FBE-48D8-BF2A-85DF203E4D20}" type="datetimeFigureOut">
               <a:rPr lang="bg-BG" smtClean="0"/>
-              <a:t>5.04.17 г.</a:t>
+              <a:t>24.04.17 г.</a:t>
             </a:fld>
             <a:endParaRPr lang="bg-BG"/>
           </a:p>
@@ -1183,7 +1183,7 @@
           <a:p>
             <a:fld id="{3EA744D9-3FBE-48D8-BF2A-85DF203E4D20}" type="datetimeFigureOut">
               <a:rPr lang="bg-BG" smtClean="0"/>
-              <a:t>5.04.17 г.</a:t>
+              <a:t>24.04.17 г.</a:t>
             </a:fld>
             <a:endParaRPr lang="bg-BG"/>
           </a:p>
@@ -1353,7 +1353,7 @@
           <a:p>
             <a:fld id="{3EA744D9-3FBE-48D8-BF2A-85DF203E4D20}" type="datetimeFigureOut">
               <a:rPr lang="bg-BG" smtClean="0"/>
-              <a:t>5.04.17 г.</a:t>
+              <a:t>24.04.17 г.</a:t>
             </a:fld>
             <a:endParaRPr lang="bg-BG"/>
           </a:p>
@@ -1599,7 +1599,7 @@
           <a:p>
             <a:fld id="{3EA744D9-3FBE-48D8-BF2A-85DF203E4D20}" type="datetimeFigureOut">
               <a:rPr lang="bg-BG" smtClean="0"/>
-              <a:t>5.04.17 г.</a:t>
+              <a:t>24.04.17 г.</a:t>
             </a:fld>
             <a:endParaRPr lang="bg-BG"/>
           </a:p>
@@ -1887,7 +1887,7 @@
           <a:p>
             <a:fld id="{3EA744D9-3FBE-48D8-BF2A-85DF203E4D20}" type="datetimeFigureOut">
               <a:rPr lang="bg-BG" smtClean="0"/>
-              <a:t>5.04.17 г.</a:t>
+              <a:t>24.04.17 г.</a:t>
             </a:fld>
             <a:endParaRPr lang="bg-BG"/>
           </a:p>
@@ -2309,7 +2309,7 @@
           <a:p>
             <a:fld id="{3EA744D9-3FBE-48D8-BF2A-85DF203E4D20}" type="datetimeFigureOut">
               <a:rPr lang="bg-BG" smtClean="0"/>
-              <a:t>5.04.17 г.</a:t>
+              <a:t>24.04.17 г.</a:t>
             </a:fld>
             <a:endParaRPr lang="bg-BG"/>
           </a:p>
@@ -2427,7 +2427,7 @@
           <a:p>
             <a:fld id="{3EA744D9-3FBE-48D8-BF2A-85DF203E4D20}" type="datetimeFigureOut">
               <a:rPr lang="bg-BG" smtClean="0"/>
-              <a:t>5.04.17 г.</a:t>
+              <a:t>24.04.17 г.</a:t>
             </a:fld>
             <a:endParaRPr lang="bg-BG"/>
           </a:p>
@@ -2522,7 +2522,7 @@
           <a:p>
             <a:fld id="{3EA744D9-3FBE-48D8-BF2A-85DF203E4D20}" type="datetimeFigureOut">
               <a:rPr lang="bg-BG" smtClean="0"/>
-              <a:t>5.04.17 г.</a:t>
+              <a:t>24.04.17 г.</a:t>
             </a:fld>
             <a:endParaRPr lang="bg-BG"/>
           </a:p>
@@ -2799,7 +2799,7 @@
           <a:p>
             <a:fld id="{3EA744D9-3FBE-48D8-BF2A-85DF203E4D20}" type="datetimeFigureOut">
               <a:rPr lang="bg-BG" smtClean="0"/>
-              <a:t>5.04.17 г.</a:t>
+              <a:t>24.04.17 г.</a:t>
             </a:fld>
             <a:endParaRPr lang="bg-BG"/>
           </a:p>
@@ -3052,7 +3052,7 @@
           <a:p>
             <a:fld id="{3EA744D9-3FBE-48D8-BF2A-85DF203E4D20}" type="datetimeFigureOut">
               <a:rPr lang="bg-BG" smtClean="0"/>
-              <a:t>5.04.17 г.</a:t>
+              <a:t>24.04.17 г.</a:t>
             </a:fld>
             <a:endParaRPr lang="bg-BG"/>
           </a:p>
@@ -3274,7 +3274,7 @@
           <a:p>
             <a:fld id="{3EA744D9-3FBE-48D8-BF2A-85DF203E4D20}" type="datetimeFigureOut">
               <a:rPr lang="bg-BG" smtClean="0"/>
-              <a:t>5.04.17 г.</a:t>
+              <a:t>24.04.17 г.</a:t>
             </a:fld>
             <a:endParaRPr lang="bg-BG"/>
           </a:p>
@@ -4483,37 +4483,8 @@
                   </a:outerShdw>
                 </a:effectLst>
               </a:rPr>
-              <a:t>	</a:t>
-            </a:r>
-            <a:r>
-              <a:rPr lang="en-US" sz="3600" dirty="0" smtClean="0">
-                <a:ln w="0"/>
-                <a:solidFill>
-                  <a:schemeClr val="accent1"/>
-                </a:solidFill>
-                <a:effectLst>
-                  <a:outerShdw blurRad="38100" dist="25400" dir="5400000" algn="ctr" rotWithShape="0">
-                    <a:srgbClr val="6E747A">
-                      <a:alpha val="43000"/>
-                    </a:srgbClr>
-                  </a:outerShdw>
-                </a:effectLst>
-              </a:rPr>
-              <a:t>Processes</a:t>
-            </a:r>
-            <a:endParaRPr lang="en-US" sz="3600" dirty="0" smtClean="0">
-              <a:ln w="0"/>
-              <a:solidFill>
-                <a:schemeClr val="accent1"/>
-              </a:solidFill>
-              <a:effectLst>
-                <a:outerShdw blurRad="38100" dist="25400" dir="5400000" algn="ctr" rotWithShape="0">
-                  <a:srgbClr val="6E747A">
-                    <a:alpha val="43000"/>
-                  </a:srgbClr>
-                </a:outerShdw>
-              </a:effectLst>
-            </a:endParaRPr>
+              <a:t>	Processes</a:t>
+            </a:r>
           </a:p>
           <a:p>
             <a:endParaRPr lang="en-US" sz="3600" dirty="0" smtClean="0">
@@ -5057,6 +5028,21 @@
                   <a:schemeClr val="accent6"/>
                 </a:solidFill>
               </a:rPr>
+              <a:t/>
+            </a:r>
+            <a:br>
+              <a:rPr lang="en-US" sz="2000" dirty="0" smtClean="0">
+                <a:solidFill>
+                  <a:schemeClr val="accent6"/>
+                </a:solidFill>
+              </a:rPr>
+            </a:br>
+            <a:r>
+              <a:rPr lang="en-US" sz="2000" dirty="0" smtClean="0">
+                <a:solidFill>
+                  <a:schemeClr val="accent6"/>
+                </a:solidFill>
+              </a:rPr>
               <a:t>Listing </a:t>
             </a:r>
             <a:r>
@@ -5325,7 +5311,7 @@
             <a:r>
               <a:rPr lang="en-US" sz="1600" dirty="0" err="1" smtClean="0">
                 <a:solidFill>
-                  <a:schemeClr val="accent6"/>
+                  <a:schemeClr val="bg2"/>
                 </a:solidFill>
               </a:rPr>
               <a:t>systemd</a:t>
@@ -8421,27 +8407,67 @@
                   <a:schemeClr val="accent6"/>
                 </a:solidFill>
               </a:rPr>
-              <a:t>1. Explain in class what does ‘load average’ metric means.</a:t>
-            </a:r>
-            <a:br>
+              <a:t>1. Explain in class what does ‘</a:t>
+            </a:r>
+            <a:r>
               <a:rPr lang="en-US" sz="1800" dirty="0">
                 <a:solidFill>
-                  <a:schemeClr val="accent6"/>
-                </a:solidFill>
-              </a:rPr>
-            </a:br>
+                  <a:schemeClr val="bg2"/>
+                </a:solidFill>
+              </a:rPr>
+              <a:t>load average</a:t>
+            </a:r>
             <a:r>
               <a:rPr lang="en-US" sz="1800" dirty="0">
                 <a:solidFill>
                   <a:schemeClr val="accent6"/>
                 </a:solidFill>
               </a:rPr>
-              <a:t>2. Grep for ‘model name’ in ‘/proc/</a:t>
+              <a:t>’ metric means.</a:t>
+            </a:r>
+            <a:br>
+              <a:rPr lang="en-US" sz="1800" dirty="0">
+                <a:solidFill>
+                  <a:schemeClr val="accent6"/>
+                </a:solidFill>
+              </a:rPr>
+            </a:br>
+            <a:r>
+              <a:rPr lang="en-US" sz="1800" dirty="0">
+                <a:solidFill>
+                  <a:schemeClr val="accent6"/>
+                </a:solidFill>
+              </a:rPr>
+              <a:t>2. Grep for ‘</a:t>
+            </a:r>
+            <a:r>
+              <a:rPr lang="en-US" sz="1800" dirty="0">
+                <a:solidFill>
+                  <a:schemeClr val="bg2"/>
+                </a:solidFill>
+              </a:rPr>
+              <a:t>model name</a:t>
+            </a:r>
+            <a:r>
+              <a:rPr lang="en-US" sz="1800" dirty="0">
+                <a:solidFill>
+                  <a:schemeClr val="accent6"/>
+                </a:solidFill>
+              </a:rPr>
+              <a:t>’ in ‘</a:t>
+            </a:r>
+            <a:r>
+              <a:rPr lang="en-US" sz="1800" dirty="0">
+                <a:solidFill>
+                  <a:schemeClr val="bg2"/>
+                </a:solidFill>
+              </a:rPr>
+              <a:t>/proc/</a:t>
             </a:r>
             <a:r>
               <a:rPr lang="en-US" sz="1800" dirty="0" err="1">
                 <a:solidFill>
-                  <a:schemeClr val="accent6"/>
+                  <a:schemeClr val="bg2"/>
                 </a:solidFill>
               </a:rPr>
               <a:t>cpuinfo</a:t>

--- a/07.Processes/07-Processes.pptx
+++ b/07.Processes/07-Processes.pptx
@@ -216,7 +216,7 @@
           <a:p>
             <a:fld id="{A214FDBA-27FC-E44F-AA15-55042CCDDDD7}" type="datetimeFigureOut">
               <a:rPr lang="en-US" smtClean="0"/>
-              <a:t>4/24/17</a:t>
+              <a:t>4/25/2017</a:t>
             </a:fld>
             <a:endParaRPr lang="en-US"/>
           </a:p>
@@ -833,7 +833,7 @@
           <a:p>
             <a:fld id="{3EA744D9-3FBE-48D8-BF2A-85DF203E4D20}" type="datetimeFigureOut">
               <a:rPr lang="bg-BG" smtClean="0"/>
-              <a:t>24.04.17 г.</a:t>
+              <a:t>25.4.2017 г.</a:t>
             </a:fld>
             <a:endParaRPr lang="bg-BG"/>
           </a:p>
@@ -1003,7 +1003,7 @@
           <a:p>
             <a:fld id="{3EA744D9-3FBE-48D8-BF2A-85DF203E4D20}" type="datetimeFigureOut">
               <a:rPr lang="bg-BG" smtClean="0"/>
-              <a:t>24.04.17 г.</a:t>
+              <a:t>25.4.2017 г.</a:t>
             </a:fld>
             <a:endParaRPr lang="bg-BG"/>
           </a:p>
@@ -1183,7 +1183,7 @@
           <a:p>
             <a:fld id="{3EA744D9-3FBE-48D8-BF2A-85DF203E4D20}" type="datetimeFigureOut">
               <a:rPr lang="bg-BG" smtClean="0"/>
-              <a:t>24.04.17 г.</a:t>
+              <a:t>25.4.2017 г.</a:t>
             </a:fld>
             <a:endParaRPr lang="bg-BG"/>
           </a:p>
@@ -1353,7 +1353,7 @@
           <a:p>
             <a:fld id="{3EA744D9-3FBE-48D8-BF2A-85DF203E4D20}" type="datetimeFigureOut">
               <a:rPr lang="bg-BG" smtClean="0"/>
-              <a:t>24.04.17 г.</a:t>
+              <a:t>25.4.2017 г.</a:t>
             </a:fld>
             <a:endParaRPr lang="bg-BG"/>
           </a:p>
@@ -1599,7 +1599,7 @@
           <a:p>
             <a:fld id="{3EA744D9-3FBE-48D8-BF2A-85DF203E4D20}" type="datetimeFigureOut">
               <a:rPr lang="bg-BG" smtClean="0"/>
-              <a:t>24.04.17 г.</a:t>
+              <a:t>25.4.2017 г.</a:t>
             </a:fld>
             <a:endParaRPr lang="bg-BG"/>
           </a:p>
@@ -1887,7 +1887,7 @@
           <a:p>
             <a:fld id="{3EA744D9-3FBE-48D8-BF2A-85DF203E4D20}" type="datetimeFigureOut">
               <a:rPr lang="bg-BG" smtClean="0"/>
-              <a:t>24.04.17 г.</a:t>
+              <a:t>25.4.2017 г.</a:t>
             </a:fld>
             <a:endParaRPr lang="bg-BG"/>
           </a:p>
@@ -2309,7 +2309,7 @@
           <a:p>
             <a:fld id="{3EA744D9-3FBE-48D8-BF2A-85DF203E4D20}" type="datetimeFigureOut">
               <a:rPr lang="bg-BG" smtClean="0"/>
-              <a:t>24.04.17 г.</a:t>
+              <a:t>25.4.2017 г.</a:t>
             </a:fld>
             <a:endParaRPr lang="bg-BG"/>
           </a:p>
@@ -2427,7 +2427,7 @@
           <a:p>
             <a:fld id="{3EA744D9-3FBE-48D8-BF2A-85DF203E4D20}" type="datetimeFigureOut">
               <a:rPr lang="bg-BG" smtClean="0"/>
-              <a:t>24.04.17 г.</a:t>
+              <a:t>25.4.2017 г.</a:t>
             </a:fld>
             <a:endParaRPr lang="bg-BG"/>
           </a:p>
@@ -2522,7 +2522,7 @@
           <a:p>
             <a:fld id="{3EA744D9-3FBE-48D8-BF2A-85DF203E4D20}" type="datetimeFigureOut">
               <a:rPr lang="bg-BG" smtClean="0"/>
-              <a:t>24.04.17 г.</a:t>
+              <a:t>25.4.2017 г.</a:t>
             </a:fld>
             <a:endParaRPr lang="bg-BG"/>
           </a:p>
@@ -2799,7 +2799,7 @@
           <a:p>
             <a:fld id="{3EA744D9-3FBE-48D8-BF2A-85DF203E4D20}" type="datetimeFigureOut">
               <a:rPr lang="bg-BG" smtClean="0"/>
-              <a:t>24.04.17 г.</a:t>
+              <a:t>25.4.2017 г.</a:t>
             </a:fld>
             <a:endParaRPr lang="bg-BG"/>
           </a:p>
@@ -3052,7 +3052,7 @@
           <a:p>
             <a:fld id="{3EA744D9-3FBE-48D8-BF2A-85DF203E4D20}" type="datetimeFigureOut">
               <a:rPr lang="bg-BG" smtClean="0"/>
-              <a:t>24.04.17 г.</a:t>
+              <a:t>25.4.2017 г.</a:t>
             </a:fld>
             <a:endParaRPr lang="bg-BG"/>
           </a:p>
@@ -3274,7 +3274,7 @@
           <a:p>
             <a:fld id="{3EA744D9-3FBE-48D8-BF2A-85DF203E4D20}" type="datetimeFigureOut">
               <a:rPr lang="bg-BG" smtClean="0"/>
-              <a:t>24.04.17 г.</a:t>
+              <a:t>25.4.2017 г.</a:t>
             </a:fld>
             <a:endParaRPr lang="bg-BG"/>
           </a:p>
@@ -4022,7 +4022,23 @@
                   <a:schemeClr val="accent6"/>
                 </a:solidFill>
               </a:rPr>
-              <a:t>A process is a running instance of launched, executable program(browser, office suite).</a:t>
+              <a:t>A process is a running instance of launched, executable </a:t>
+            </a:r>
+            <a:r>
+              <a:rPr lang="en-US" sz="3100" dirty="0" smtClean="0">
+                <a:solidFill>
+                  <a:schemeClr val="accent6"/>
+                </a:solidFill>
+              </a:rPr>
+              <a:t>program(script, browser</a:t>
+            </a:r>
+            <a:r>
+              <a:rPr lang="en-US" sz="3100" dirty="0" smtClean="0">
+                <a:solidFill>
+                  <a:schemeClr val="accent6"/>
+                </a:solidFill>
+              </a:rPr>
+              <a:t>, office suite).</a:t>
             </a:r>
             <a:br>
               <a:rPr lang="en-US" sz="3100" dirty="0" smtClean="0">
@@ -4098,36 +4114,6 @@
                 </a:solidFill>
               </a:rPr>
               <a:t>Security properties, including ownership credentials and privileges.</a:t>
-            </a:r>
-            <a:br>
-              <a:rPr lang="en-US" sz="3100" dirty="0" smtClean="0">
-                <a:solidFill>
-                  <a:schemeClr val="accent6"/>
-                </a:solidFill>
-              </a:rPr>
-            </a:br>
-            <a:r>
-              <a:rPr lang="en-US" sz="3100" dirty="0" smtClean="0">
-                <a:solidFill>
-                  <a:schemeClr val="accent6"/>
-                </a:solidFill>
-              </a:rPr>
-              <a:t/>
-            </a:r>
-            <a:br>
-              <a:rPr lang="en-US" sz="3100" dirty="0" smtClean="0">
-                <a:solidFill>
-                  <a:schemeClr val="accent6"/>
-                </a:solidFill>
-              </a:rPr>
-            </a:br>
-            <a:r>
-              <a:rPr lang="en-US" sz="3100" dirty="0" smtClean="0">
-                <a:solidFill>
-                  <a:schemeClr val="accent6"/>
-                </a:solidFill>
-              </a:rPr>
-              <a:t>One or more execution threads of program code.</a:t>
             </a:r>
             <a:br>
               <a:rPr lang="en-US" sz="3100" dirty="0" smtClean="0">
@@ -4439,7 +4425,7 @@
         </p:nvSpPr>
         <p:spPr>
           <a:xfrm>
-            <a:off x="1371600" y="714544"/>
+            <a:off x="1708731" y="434370"/>
             <a:ext cx="7924800" cy="2308324"/>
           </a:xfrm>
           <a:prstGeom prst="rect">
@@ -4736,35 +4722,25 @@
           </a:p>
         </p:txBody>
       </p:sp>
-      <p:pic>
-        <p:nvPicPr>
-          <p:cNvPr id="4" name="Content Placeholder 3"/>
-          <p:cNvPicPr>
-            <a:picLocks noGrp="1" noChangeAspect="1"/>
-          </p:cNvPicPr>
+      <p:sp>
+        <p:nvSpPr>
+          <p:cNvPr id="3" name="Content Placeholder 2"/>
+          <p:cNvSpPr>
+            <a:spLocks noGrp="1"/>
+          </p:cNvSpPr>
           <p:nvPr>
             <p:ph idx="1"/>
           </p:nvPr>
-        </p:nvPicPr>
-        <p:blipFill>
-          <a:blip r:embed="rId2">
-            <a:extLst>
-              <a:ext uri="{28A0092B-C50C-407E-A947-70E740481C1C}">
-                <a14:useLocalDpi xmlns:a14="http://schemas.microsoft.com/office/drawing/2010/main" val="0"/>
-              </a:ext>
-            </a:extLst>
-          </a:blip>
-          <a:stretch>
-            <a:fillRect/>
-          </a:stretch>
-        </p:blipFill>
-        <p:spPr>
-          <a:xfrm>
-            <a:off x="481314" y="3886200"/>
-            <a:ext cx="8229600" cy="2217992"/>
-          </a:xfrm>
-        </p:spPr>
-      </p:pic>
+        </p:nvSpPr>
+        <p:spPr/>
+        <p:txBody>
+          <a:bodyPr/>
+          <a:lstStyle/>
+          <a:p>
+            <a:endParaRPr lang="en-US" dirty="0"/>
+          </a:p>
+        </p:txBody>
+      </p:sp>
     </p:spTree>
     <p:extLst>
       <p:ext uri="{BB962C8B-B14F-4D97-AF65-F5344CB8AC3E}">
@@ -5043,6 +5019,66 @@
                   <a:schemeClr val="accent6"/>
                 </a:solidFill>
               </a:rPr>
+              <a:t/>
+            </a:r>
+            <a:br>
+              <a:rPr lang="en-US" sz="2000" dirty="0" smtClean="0">
+                <a:solidFill>
+                  <a:schemeClr val="accent6"/>
+                </a:solidFill>
+              </a:rPr>
+            </a:br>
+            <a:r>
+              <a:rPr lang="en-US" sz="2000" dirty="0">
+                <a:solidFill>
+                  <a:schemeClr val="accent6"/>
+                </a:solidFill>
+              </a:rPr>
+              <a:t/>
+            </a:r>
+            <a:br>
+              <a:rPr lang="en-US" sz="2000" dirty="0">
+                <a:solidFill>
+                  <a:schemeClr val="accent6"/>
+                </a:solidFill>
+              </a:rPr>
+            </a:br>
+            <a:r>
+              <a:rPr lang="en-US" sz="2000" dirty="0" smtClean="0">
+                <a:solidFill>
+                  <a:schemeClr val="accent6"/>
+                </a:solidFill>
+              </a:rPr>
+              <a:t/>
+            </a:r>
+            <a:br>
+              <a:rPr lang="en-US" sz="2000" dirty="0" smtClean="0">
+                <a:solidFill>
+                  <a:schemeClr val="accent6"/>
+                </a:solidFill>
+              </a:rPr>
+            </a:br>
+            <a:r>
+              <a:rPr lang="en-US" sz="2000" dirty="0">
+                <a:solidFill>
+                  <a:schemeClr val="accent6"/>
+                </a:solidFill>
+              </a:rPr>
+              <a:t/>
+            </a:r>
+            <a:br>
+              <a:rPr lang="en-US" sz="2000" dirty="0">
+                <a:solidFill>
+                  <a:schemeClr val="accent6"/>
+                </a:solidFill>
+              </a:rPr>
+            </a:br>
+            <a:r>
+              <a:rPr lang="en-US" sz="2000" dirty="0" smtClean="0">
+                <a:solidFill>
+                  <a:schemeClr val="accent6"/>
+                </a:solidFill>
+              </a:rPr>
               <a:t>Listing </a:t>
             </a:r>
             <a:r>
@@ -5207,8 +5243,39 @@
                   <a:schemeClr val="accent6"/>
                 </a:solidFill>
               </a:rPr>
-              <a:t> =&gt; display a tree of processes.</a:t>
-            </a:r>
+              <a:t> =&gt; display a tree of processes</a:t>
+            </a:r>
+            <a:r>
+              <a:rPr lang="en-US" sz="2000" dirty="0" smtClean="0">
+                <a:solidFill>
+                  <a:schemeClr val="accent6"/>
+                </a:solidFill>
+              </a:rPr>
+              <a:t>. By default is not installed in min </a:t>
+            </a:r>
+            <a:r>
+              <a:rPr lang="en-US" sz="2000" dirty="0" err="1" smtClean="0">
+                <a:solidFill>
+                  <a:schemeClr val="accent6"/>
+                </a:solidFill>
+              </a:rPr>
+              <a:t>CentOS</a:t>
+            </a:r>
+            <a:r>
+              <a:rPr lang="en-US" sz="2000" dirty="0" smtClean="0">
+                <a:solidFill>
+                  <a:schemeClr val="accent6"/>
+                </a:solidFill>
+              </a:rPr>
+              <a:t>. </a:t>
+            </a:r>
+            <a:br>
+              <a:rPr lang="en-US" sz="2000" dirty="0" smtClean="0">
+                <a:solidFill>
+                  <a:schemeClr val="accent6"/>
+                </a:solidFill>
+              </a:rPr>
+            </a:br>
             <a:r>
               <a:rPr lang="en-US" sz="2000" dirty="0">
                 <a:solidFill>
@@ -5286,6 +5353,22 @@
               </a:rPr>
             </a:br>
             <a:r>
+              <a:rPr lang="en-US" sz="2000" dirty="0">
+                <a:solidFill>
+                  <a:schemeClr val="accent6"/>
+                </a:solidFill>
+              </a:rPr>
+              <a:t>3. yum -y install </a:t>
+            </a:r>
+            <a:r>
+              <a:rPr lang="en-US" sz="2000" dirty="0" err="1">
+                <a:solidFill>
+                  <a:schemeClr val="accent6"/>
+                </a:solidFill>
+              </a:rPr>
+              <a:t>psmisc</a:t>
+            </a:r>
+            <a:r>
               <a:rPr lang="en-US" sz="2000" dirty="0" smtClean="0">
                 <a:solidFill>
                   <a:schemeClr val="accent6"/>
@@ -5301,7 +5384,22 @@
               </a:rPr>
             </a:br>
             <a:r>
-              <a:rPr lang="en-US" sz="1600" dirty="0" smtClean="0">
+              <a:rPr lang="en-US" sz="2000" dirty="0" smtClean="0">
+                <a:solidFill>
+                  <a:schemeClr val="accent6"/>
+                </a:solidFill>
+              </a:rPr>
+              <a:t/>
+            </a:r>
+            <a:br>
+              <a:rPr lang="en-US" sz="2000" dirty="0" smtClean="0">
+                <a:solidFill>
+                  <a:schemeClr val="accent6"/>
+                </a:solidFill>
+              </a:rPr>
+            </a:br>
+            <a:r>
+              <a:rPr lang="en-US" sz="2000" dirty="0" smtClean="0">
                 <a:solidFill>
                   <a:schemeClr val="accent6"/>
                 </a:solidFill>
@@ -5309,7 +5407,7 @@
               <a:t>Any process may create a child one. All processes are descendants of the first system process, which is </a:t>
             </a:r>
             <a:r>
-              <a:rPr lang="en-US" sz="1600" dirty="0" err="1" smtClean="0">
+              <a:rPr lang="en-US" sz="2000" dirty="0" err="1" smtClean="0">
                 <a:solidFill>
                   <a:schemeClr val="bg2"/>
                 </a:solidFill>
@@ -5317,30 +5415,45 @@
               <a:t>systemd</a:t>
             </a:r>
             <a:r>
-              <a:rPr lang="en-US" sz="1600" dirty="0" smtClean="0">
-                <a:solidFill>
-                  <a:schemeClr val="accent6"/>
-                </a:solidFill>
-              </a:rPr>
-              <a:t>(1). Normally, a parent process sleeps while the child process run, setting a request(wait) to be signaled when the child completes.</a:t>
-            </a:r>
-            <a:r>
-              <a:rPr lang="en-US" sz="2200" dirty="0" smtClean="0">
-                <a:solidFill>
-                  <a:schemeClr val="accent6"/>
-                </a:solidFill>
-              </a:rPr>
-              <a:t/>
-            </a:r>
-            <a:br>
-              <a:rPr lang="en-US" sz="2200" dirty="0" smtClean="0">
-                <a:solidFill>
-                  <a:schemeClr val="accent6"/>
-                </a:solidFill>
-              </a:rPr>
-            </a:br>
-            <a:r>
-              <a:rPr lang="en-US" sz="2200" dirty="0" smtClean="0">
+              <a:rPr lang="en-US" sz="2000" dirty="0" smtClean="0">
+                <a:solidFill>
+                  <a:schemeClr val="accent6"/>
+                </a:solidFill>
+              </a:rPr>
+              <a:t>(1). Normally, a parent process sleeps while the child process run, setting a request(wait) to be signaled when the child completes</a:t>
+            </a:r>
+            <a:r>
+              <a:rPr lang="en-US" sz="2000" dirty="0" smtClean="0">
+                <a:solidFill>
+                  <a:schemeClr val="accent6"/>
+                </a:solidFill>
+              </a:rPr>
+              <a:t>.</a:t>
+            </a:r>
+            <a:br>
+              <a:rPr lang="en-US" sz="2000" dirty="0" smtClean="0">
+                <a:solidFill>
+                  <a:schemeClr val="accent6"/>
+                </a:solidFill>
+              </a:rPr>
+            </a:br>
+            <a:r>
+              <a:rPr lang="en-US" sz="2000" dirty="0" smtClean="0">
+                <a:solidFill>
+                  <a:schemeClr val="accent6"/>
+                </a:solidFill>
+              </a:rPr>
+              <a:t/>
+            </a:r>
+            <a:br>
+              <a:rPr lang="en-US" sz="2000" dirty="0" smtClean="0">
+                <a:solidFill>
+                  <a:schemeClr val="accent6"/>
+                </a:solidFill>
+              </a:rPr>
+            </a:br>
+            <a:r>
+              <a:rPr lang="en-US" sz="2000" dirty="0" smtClean="0">
                 <a:solidFill>
                   <a:srgbClr val="FF0000"/>
                 </a:solidFill>
@@ -5348,22 +5461,22 @@
               <a:t>Exercise:</a:t>
             </a:r>
             <a:r>
-              <a:rPr lang="en-US" sz="2200" dirty="0" smtClean="0">
-                <a:solidFill>
-                  <a:schemeClr val="accent6"/>
-                </a:solidFill>
-              </a:rPr>
-              <a:t/>
-            </a:r>
-            <a:br>
-              <a:rPr lang="en-US" sz="2200" dirty="0" smtClean="0">
-                <a:solidFill>
-                  <a:schemeClr val="accent6"/>
-                </a:solidFill>
-              </a:rPr>
-            </a:br>
-            <a:r>
-              <a:rPr lang="en-US" sz="2200" dirty="0" smtClean="0">
+              <a:rPr lang="en-US" sz="2000" dirty="0" smtClean="0">
+                <a:solidFill>
+                  <a:schemeClr val="accent6"/>
+                </a:solidFill>
+              </a:rPr>
+              <a:t/>
+            </a:r>
+            <a:br>
+              <a:rPr lang="en-US" sz="2000" dirty="0" smtClean="0">
+                <a:solidFill>
+                  <a:schemeClr val="accent6"/>
+                </a:solidFill>
+              </a:rPr>
+            </a:br>
+            <a:r>
+              <a:rPr lang="en-US" sz="2000" dirty="0" smtClean="0">
                 <a:solidFill>
                   <a:schemeClr val="accent6"/>
                 </a:solidFill>
@@ -5371,7 +5484,7 @@
               <a:t>1. Find in the ‘</a:t>
             </a:r>
             <a:r>
-              <a:rPr lang="en-US" sz="2200" dirty="0" err="1" smtClean="0">
+              <a:rPr lang="en-US" sz="2000" dirty="0" err="1" smtClean="0">
                 <a:solidFill>
                   <a:schemeClr val="bg2"/>
                 </a:solidFill>
@@ -5379,7 +5492,7 @@
               <a:t>ps</a:t>
             </a:r>
             <a:r>
-              <a:rPr lang="en-US" sz="2200" dirty="0" smtClean="0">
+              <a:rPr lang="en-US" sz="2000" dirty="0" smtClean="0">
                 <a:solidFill>
                   <a:schemeClr val="accent6"/>
                 </a:solidFill>
@@ -5387,15 +5500,15 @@
               <a:t>’ man page does the STAT column value mean?</a:t>
             </a:r>
             <a:r>
-              <a:rPr lang="en-US" sz="2200" dirty="0">
-                <a:solidFill>
-                  <a:schemeClr val="accent6"/>
-                </a:solidFill>
-              </a:rPr>
-              <a:t/>
-            </a:r>
-            <a:br>
-              <a:rPr lang="en-US" sz="2200" dirty="0">
+              <a:rPr lang="en-US" sz="2000" dirty="0">
+                <a:solidFill>
+                  <a:schemeClr val="accent6"/>
+                </a:solidFill>
+              </a:rPr>
+              <a:t/>
+            </a:r>
+            <a:br>
+              <a:rPr lang="en-US" sz="2000" dirty="0">
                 <a:solidFill>
                   <a:schemeClr val="accent6"/>
                 </a:solidFill>
@@ -5435,36 +5548,6 @@
           </a:p>
         </p:txBody>
       </p:sp>
-      <p:pic>
-        <p:nvPicPr>
-          <p:cNvPr id="4" name="Picture 3"/>
-          <p:cNvPicPr>
-            <a:picLocks noChangeAspect="1"/>
-          </p:cNvPicPr>
-          <p:nvPr/>
-        </p:nvPicPr>
-        <p:blipFill>
-          <a:blip r:embed="rId2">
-            <a:extLst>
-              <a:ext uri="{28A0092B-C50C-407E-A947-70E740481C1C}">
-                <a14:useLocalDpi xmlns:a14="http://schemas.microsoft.com/office/drawing/2010/main" val="0"/>
-              </a:ext>
-            </a:extLst>
-          </a:blip>
-          <a:stretch>
-            <a:fillRect/>
-          </a:stretch>
-        </p:blipFill>
-        <p:spPr>
-          <a:xfrm>
-            <a:off x="2514600" y="4393502"/>
-            <a:ext cx="4638675" cy="2426397"/>
-          </a:xfrm>
-          <a:prstGeom prst="rect">
-            <a:avLst/>
-          </a:prstGeom>
-        </p:spPr>
-      </p:pic>
     </p:spTree>
     <p:extLst>
       <p:ext uri="{BB962C8B-B14F-4D97-AF65-F5344CB8AC3E}">
@@ -5524,14 +5607,14 @@
             <p:ph idx="1"/>
             <p:extLst>
               <p:ext uri="{D42A27DB-BD31-4B8C-83A1-F6EECF244321}">
-                <p14:modId xmlns:p14="http://schemas.microsoft.com/office/powerpoint/2010/main" val="1798227915"/>
+                <p14:modId xmlns:p14="http://schemas.microsoft.com/office/powerpoint/2010/main" val="286781926"/>
               </p:ext>
             </p:extLst>
           </p:nvPr>
         </p:nvGraphicFramePr>
         <p:xfrm>
-          <a:off x="609600" y="-208280"/>
-          <a:ext cx="7924800" cy="7403488"/>
+          <a:off x="609600" y="1600200"/>
+          <a:ext cx="7924800" cy="4317066"/>
         </p:xfrm>
         <a:graphic>
           <a:graphicData uri="http://schemas.openxmlformats.org/drawingml/2006/table">
@@ -5544,7 +5627,7 @@
                 <a:gridCol w="2641600"/>
                 <a:gridCol w="2641600"/>
               </a:tblGrid>
-              <a:tr h="568551">
+              <a:tr h="127000">
                 <a:tc>
                   <a:txBody>
                     <a:bodyPr/>
@@ -5744,114 +5827,6 @@
                   <a:tcPr/>
                 </a:tc>
               </a:tr>
-              <a:tr h="1543211">
-                <a:tc>
-                  <a:txBody>
-                    <a:bodyPr/>
-                    <a:lstStyle/>
-                    <a:p>
-                      <a:r>
-                        <a:rPr lang="en-US" dirty="0" smtClean="0"/>
-                        <a:t>Zombie</a:t>
-                      </a:r>
-                      <a:endParaRPr lang="en-US" dirty="0"/>
-                    </a:p>
-                  </a:txBody>
-                  <a:tcPr/>
-                </a:tc>
-                <a:tc>
-                  <a:txBody>
-                    <a:bodyPr/>
-                    <a:lstStyle/>
-                    <a:p>
-                      <a:r>
-                        <a:rPr lang="en-US" dirty="0" smtClean="0"/>
-                        <a:t>Z</a:t>
-                      </a:r>
-                      <a:r>
-                        <a:rPr lang="en-US" baseline="0" dirty="0" smtClean="0"/>
-                        <a:t>  | X </a:t>
-                      </a:r>
-                      <a:endParaRPr lang="en-US" dirty="0"/>
-                    </a:p>
-                  </a:txBody>
-                  <a:tcPr/>
-                </a:tc>
-                <a:tc>
-                  <a:txBody>
-                    <a:bodyPr/>
-                    <a:lstStyle/>
-                    <a:p>
-                      <a:r>
-                        <a:rPr lang="en-US" dirty="0" smtClean="0"/>
-                        <a:t>Z</a:t>
-                      </a:r>
-                      <a:r>
-                        <a:rPr lang="en-US" baseline="0" dirty="0" smtClean="0"/>
-                        <a:t> =&gt; EXIT_ZOMBIE: a child process signals its parent as it exits. All resources except for the process identity(PID) are released.</a:t>
-                      </a:r>
-                      <a:endParaRPr lang="en-US" dirty="0"/>
-                    </a:p>
-                  </a:txBody>
-                  <a:tcPr/>
-                </a:tc>
-              </a:tr>
-              <a:tr h="1543211">
-                <a:tc>
-                  <a:txBody>
-                    <a:bodyPr/>
-                    <a:lstStyle/>
-                    <a:p>
-                      <a:endParaRPr lang="en-US" dirty="0"/>
-                    </a:p>
-                  </a:txBody>
-                  <a:tcPr/>
-                </a:tc>
-                <a:tc>
-                  <a:txBody>
-                    <a:bodyPr/>
-                    <a:lstStyle/>
-                    <a:p>
-                      <a:endParaRPr lang="en-US" dirty="0"/>
-                    </a:p>
-                  </a:txBody>
-                  <a:tcPr/>
-                </a:tc>
-                <a:tc>
-                  <a:txBody>
-                    <a:bodyPr/>
-                    <a:lstStyle/>
-                    <a:p>
-                      <a:r>
-                        <a:rPr lang="en-US" dirty="0" smtClean="0"/>
-                        <a:t>X =&gt; EXIT_DEAD;</a:t>
-                      </a:r>
-                      <a:r>
-                        <a:rPr lang="en-US" baseline="0" dirty="0" smtClean="0"/>
-                        <a:t>  when the </a:t>
-                      </a:r>
-                      <a:r>
-                        <a:rPr lang="en-US" baseline="0" dirty="0" err="1" smtClean="0"/>
-                        <a:t>parcent</a:t>
-                      </a:r>
-                      <a:r>
-                        <a:rPr lang="en-US" baseline="0" dirty="0" smtClean="0"/>
-                        <a:t> cleans up the </a:t>
-                      </a:r>
-                      <a:r>
-                        <a:rPr lang="en-US" baseline="0" dirty="0" err="1" smtClean="0"/>
-                        <a:t>remainig</a:t>
-                      </a:r>
-                      <a:r>
-                        <a:rPr lang="en-US" baseline="0" dirty="0" smtClean="0"/>
-                        <a:t> child process structure, the process is now released completely.</a:t>
-                      </a:r>
-                      <a:endParaRPr lang="en-US" dirty="0"/>
-                    </a:p>
-                  </a:txBody>
-                  <a:tcPr/>
-                </a:tc>
-              </a:tr>
             </a:tbl>
           </a:graphicData>
         </a:graphic>
@@ -5938,7 +5913,39 @@
                   <a:schemeClr val="accent6"/>
                 </a:solidFill>
               </a:rPr>
-              <a:t>Running jobs in the foreground and background =&gt; by default as stated above, any executed command is started as foreground job. For many commands, that does not matter because the command often takes a little while to complete, after which it returns access to the shell from which it was started. </a:t>
+              <a:t>Running jobs in the </a:t>
+            </a:r>
+            <a:r>
+              <a:rPr lang="en-US" sz="1600" dirty="0" smtClean="0">
+                <a:solidFill>
+                  <a:schemeClr val="bg1"/>
+                </a:solidFill>
+              </a:rPr>
+              <a:t>foreground</a:t>
+            </a:r>
+            <a:r>
+              <a:rPr lang="en-US" sz="1600" dirty="0" smtClean="0">
+                <a:solidFill>
+                  <a:schemeClr val="accent6"/>
+                </a:solidFill>
+              </a:rPr>
+              <a:t> and</a:t>
+            </a:r>
+            <a:r>
+              <a:rPr lang="en-US" sz="1600" dirty="0" smtClean="0">
+                <a:solidFill>
+                  <a:schemeClr val="bg1"/>
+                </a:solidFill>
+              </a:rPr>
+              <a:t> background </a:t>
+            </a:r>
+            <a:r>
+              <a:rPr lang="en-US" sz="1600" dirty="0" smtClean="0">
+                <a:solidFill>
+                  <a:schemeClr val="accent6"/>
+                </a:solidFill>
+              </a:rPr>
+              <a:t>=&gt; by default as stated above, any executed command is started as foreground job. For many commands, that does not matter because the command often takes a little while to complete, after which it returns access to the shell from which it was started. </a:t>
             </a:r>
           </a:p>
           <a:p>
@@ -6034,8 +6041,8 @@
         </p:blipFill>
         <p:spPr>
           <a:xfrm>
-            <a:off x="838200" y="3943028"/>
-            <a:ext cx="7440976" cy="2795603"/>
+            <a:off x="432561" y="3733800"/>
+            <a:ext cx="7846615" cy="2948003"/>
           </a:xfrm>
           <a:prstGeom prst="rect">
             <a:avLst/>
@@ -6330,7 +6337,39 @@
                   <a:schemeClr val="accent6"/>
                 </a:solidFill>
               </a:rPr>
-              <a:t>Tasks on Linux are started as processes. Once process can start several worker threads. As a Linux admin, you cannot manage individual threads, it is the programmer of the multithreaded application that has to define how threads relate to one another.</a:t>
+              <a:t>Tasks on Linux are started as </a:t>
+            </a:r>
+            <a:r>
+              <a:rPr lang="en-US" sz="2400" dirty="0" smtClean="0">
+                <a:solidFill>
+                  <a:schemeClr val="accent6"/>
+                </a:solidFill>
+              </a:rPr>
+              <a:t>processes. One process can start several worker threads. As a Linux admin, you cannot manage </a:t>
+            </a:r>
+            <a:r>
+              <a:rPr lang="en-US" sz="2400" dirty="0" smtClean="0">
+                <a:solidFill>
+                  <a:schemeClr val="accent6"/>
+                </a:solidFill>
+              </a:rPr>
+              <a:t>individual threads, it is the programmer of the multithreaded </a:t>
+            </a:r>
+            <a:r>
+              <a:rPr lang="en-US" sz="2400" dirty="0" smtClean="0">
+                <a:solidFill>
+                  <a:schemeClr val="accent6"/>
+                </a:solidFill>
+              </a:rPr>
+              <a:t>application </a:t>
+            </a:r>
+            <a:r>
+              <a:rPr lang="en-US" sz="2400" dirty="0" smtClean="0">
+                <a:solidFill>
+                  <a:schemeClr val="accent6"/>
+                </a:solidFill>
+              </a:rPr>
+              <a:t>that has to define how threads relate to one another.</a:t>
             </a:r>
             <a:r>
               <a:rPr lang="en-US" sz="2400" dirty="0">
@@ -7601,22 +7640,31 @@
                   <a:schemeClr val="accent6"/>
                 </a:solidFill>
               </a:rPr>
-              <a:t>1. List your processes and try to gently kill a process that is not needed.</a:t>
-            </a:r>
-            <a:br>
+              <a:t>1. Try </a:t>
+            </a:r>
+            <a:r>
               <a:rPr lang="en-US" sz="2400" dirty="0" smtClean="0">
                 <a:solidFill>
                   <a:schemeClr val="accent6"/>
                 </a:solidFill>
               </a:rPr>
-            </a:br>
+              <a:t>to kill the first </a:t>
+            </a:r>
+            <a:r>
+              <a:rPr lang="en-US" sz="2400" dirty="0" err="1" smtClean="0">
+                <a:solidFill>
+                  <a:schemeClr val="bg1"/>
+                </a:solidFill>
+              </a:rPr>
+              <a:t>systemd</a:t>
+            </a:r>
             <a:r>
               <a:rPr lang="en-US" sz="2400" dirty="0" smtClean="0">
                 <a:solidFill>
                   <a:schemeClr val="accent6"/>
                 </a:solidFill>
               </a:rPr>
-              <a:t>2. See the result, run the killed process again and try to brutally kill it.</a:t>
+              <a:t> process, what happens  ?</a:t>
             </a:r>
             <a:br>
               <a:rPr lang="en-US" sz="2400" dirty="0" smtClean="0">
@@ -7631,7 +7679,7 @@
                   <a:schemeClr val="accent6"/>
                 </a:solidFill>
               </a:rPr>
-              <a:t>3. Try to kill the first </a:t>
+              <a:t>2. Run </a:t>
             </a:r>
             <a:r>
               <a:rPr lang="en-US" sz="2400" dirty="0" err="1" smtClean="0">
@@ -7639,7 +7687,7 @@
                   <a:schemeClr val="bg1"/>
                 </a:solidFill>
               </a:rPr>
-              <a:t>systemd</a:t>
+              <a:t>pstree</a:t>
             </a:r>
             <a:r>
               <a:rPr lang="en-US" sz="2400" dirty="0" smtClean="0">
@@ -7647,7 +7695,7 @@
                   <a:schemeClr val="accent6"/>
                 </a:solidFill>
               </a:rPr>
-              <a:t> process, what happens  ?</a:t>
+              <a:t> to see a tree representation of all running processes.</a:t>
             </a:r>
             <a:br>
               <a:rPr lang="en-US" sz="2400" dirty="0" smtClean="0">
@@ -7662,7 +7710,22 @@
                   <a:schemeClr val="accent6"/>
                 </a:solidFill>
               </a:rPr>
-              <a:t>4. Run </a:t>
+              <a:t/>
+            </a:r>
+            <a:br>
+              <a:rPr lang="en-US" sz="2400" dirty="0" smtClean="0">
+                <a:solidFill>
+                  <a:schemeClr val="accent6"/>
+                </a:solidFill>
+              </a:rPr>
+            </a:br>
+            <a:r>
+              <a:rPr lang="en-US" sz="2400" dirty="0" err="1">
+                <a:solidFill>
+                  <a:schemeClr val="bg1"/>
+                </a:solidFill>
+              </a:rPr>
+              <a:t>k</a:t>
             </a:r>
             <a:r>
               <a:rPr lang="en-US" sz="2400" dirty="0" err="1" smtClean="0">
@@ -7670,61 +7733,153 @@
                   <a:schemeClr val="bg1"/>
                 </a:solidFill>
               </a:rPr>
-              <a:t>pstree</a:t>
+              <a:t>illall</a:t>
             </a:r>
             <a:r>
               <a:rPr lang="en-US" sz="2400" dirty="0" smtClean="0">
                 <a:solidFill>
-                  <a:schemeClr val="accent6"/>
-                </a:solidFill>
-              </a:rPr>
-              <a:t> to see a tree representation of all running processes.</a:t>
-            </a:r>
-            <a:br>
+                  <a:schemeClr val="bg1"/>
+                </a:solidFill>
+              </a:rPr>
+              <a:t> </a:t>
+            </a:r>
+            <a:r>
               <a:rPr lang="en-US" sz="2400" dirty="0" smtClean="0">
                 <a:solidFill>
                   <a:schemeClr val="accent6"/>
                 </a:solidFill>
               </a:rPr>
-            </a:br>
-            <a:r>
+              <a:t>=&gt; send a signal to one or more processes matching selection criteria.</a:t>
+            </a:r>
+            <a:br>
               <a:rPr lang="en-US" sz="2400" dirty="0" smtClean="0">
                 <a:solidFill>
                   <a:schemeClr val="accent6"/>
                 </a:solidFill>
               </a:rPr>
-              <a:t/>
-            </a:r>
-            <a:br>
+            </a:br>
+            <a:r>
+              <a:rPr lang="en-US" sz="2400" dirty="0" err="1">
+                <a:solidFill>
+                  <a:schemeClr val="bg1"/>
+                </a:solidFill>
+              </a:rPr>
+              <a:t>p</a:t>
+            </a:r>
+            <a:r>
+              <a:rPr lang="en-US" sz="2400" dirty="0" err="1" smtClean="0">
+                <a:solidFill>
+                  <a:schemeClr val="bg1"/>
+                </a:solidFill>
+              </a:rPr>
+              <a:t>kill</a:t>
+            </a:r>
+            <a:r>
               <a:rPr lang="en-US" sz="2400" dirty="0" smtClean="0">
                 <a:solidFill>
                   <a:schemeClr val="accent6"/>
                 </a:solidFill>
               </a:rPr>
-            </a:br>
-            <a:r>
-              <a:rPr lang="en-US" sz="2400" dirty="0" err="1">
+              <a:t> =&gt; uses advanced search criteria.</a:t>
+            </a:r>
+            <a:br>
+              <a:rPr lang="en-US" sz="2400" dirty="0" smtClean="0">
+                <a:solidFill>
+                  <a:schemeClr val="accent6"/>
+                </a:solidFill>
+              </a:rPr>
+            </a:br>
+            <a:r>
+              <a:rPr lang="en-US" sz="2400" dirty="0" smtClean="0">
+                <a:solidFill>
+                  <a:schemeClr val="accent6"/>
+                </a:solidFill>
+              </a:rPr>
+              <a:t/>
+            </a:r>
+            <a:br>
+              <a:rPr lang="en-US" sz="2400" dirty="0" smtClean="0">
+                <a:solidFill>
+                  <a:schemeClr val="accent6"/>
+                </a:solidFill>
+              </a:rPr>
+            </a:br>
+            <a:r>
+              <a:rPr lang="en-US" sz="2400" dirty="0" smtClean="0">
+                <a:solidFill>
+                  <a:schemeClr val="accent6"/>
+                </a:solidFill>
+              </a:rPr>
+              <a:t>Examples:</a:t>
+            </a:r>
+            <a:br>
+              <a:rPr lang="en-US" sz="2400" dirty="0" smtClean="0">
+                <a:solidFill>
+                  <a:schemeClr val="accent6"/>
+                </a:solidFill>
+              </a:rPr>
+            </a:br>
+            <a:r>
+              <a:rPr lang="en-US" sz="2400" dirty="0" err="1" smtClean="0">
                 <a:solidFill>
                   <a:schemeClr val="bg1"/>
                 </a:solidFill>
               </a:rPr>
-              <a:t>k</a:t>
-            </a:r>
-            <a:r>
-              <a:rPr lang="en-US" sz="2400" dirty="0" err="1" smtClean="0">
+              <a:t>pkill</a:t>
+            </a:r>
+            <a:r>
+              <a:rPr lang="en-US" sz="2400" dirty="0" smtClean="0">
                 <a:solidFill>
                   <a:schemeClr val="bg1"/>
                 </a:solidFill>
               </a:rPr>
-              <a:t>illall</a:t>
+              <a:t> –SIGKILL –u bob </a:t>
             </a:r>
             <a:r>
               <a:rPr lang="en-US" sz="2400" dirty="0" smtClean="0">
                 <a:solidFill>
+                  <a:schemeClr val="accent6"/>
+                </a:solidFill>
+              </a:rPr>
+              <a:t>=&gt; kills all processes owned by bob.</a:t>
+            </a:r>
+            <a:br>
+              <a:rPr lang="en-US" sz="2400" dirty="0" smtClean="0">
+                <a:solidFill>
+                  <a:schemeClr val="accent6"/>
+                </a:solidFill>
+              </a:rPr>
+            </a:br>
+            <a:r>
+              <a:rPr lang="en-US" sz="2400" dirty="0" smtClean="0">
+                <a:solidFill>
+                  <a:schemeClr val="accent6"/>
+                </a:solidFill>
+              </a:rPr>
+              <a:t/>
+            </a:r>
+            <a:br>
+              <a:rPr lang="en-US" sz="2400" dirty="0" smtClean="0">
+                <a:solidFill>
+                  <a:schemeClr val="accent6"/>
+                </a:solidFill>
+              </a:rPr>
+            </a:br>
+            <a:r>
+              <a:rPr lang="en-US" sz="2400" dirty="0" smtClean="0">
+                <a:solidFill>
+                  <a:schemeClr val="accent6"/>
+                </a:solidFill>
+              </a:rPr>
+              <a:t>When Linux processes are started, they are started with a specific </a:t>
+            </a:r>
+            <a:r>
+              <a:rPr lang="en-US" sz="2400" dirty="0" smtClean="0">
+                <a:solidFill>
                   <a:schemeClr val="bg1"/>
                 </a:solidFill>
               </a:rPr>
-              <a:t> </a:t>
+              <a:t>priority</a:t>
             </a:r>
             <a:r>
               <a:rPr lang="en-US" sz="2400" dirty="0" smtClean="0">
@@ -7732,129 +7887,7 @@
                   <a:schemeClr val="accent6"/>
                 </a:solidFill>
               </a:rPr>
-              <a:t>=&gt; send a signal to one or more processes matching selection criteria.</a:t>
-            </a:r>
-            <a:br>
-              <a:rPr lang="en-US" sz="2400" dirty="0" smtClean="0">
-                <a:solidFill>
-                  <a:schemeClr val="accent6"/>
-                </a:solidFill>
-              </a:rPr>
-            </a:br>
-            <a:r>
-              <a:rPr lang="en-US" sz="2400" dirty="0" err="1">
-                <a:solidFill>
-                  <a:schemeClr val="bg1"/>
-                </a:solidFill>
-              </a:rPr>
-              <a:t>p</a:t>
-            </a:r>
-            <a:r>
-              <a:rPr lang="en-US" sz="2400" dirty="0" err="1" smtClean="0">
-                <a:solidFill>
-                  <a:schemeClr val="bg1"/>
-                </a:solidFill>
-              </a:rPr>
-              <a:t>kill</a:t>
-            </a:r>
-            <a:r>
-              <a:rPr lang="en-US" sz="2400" dirty="0" smtClean="0">
-                <a:solidFill>
-                  <a:schemeClr val="accent6"/>
-                </a:solidFill>
-              </a:rPr>
-              <a:t> =&gt; uses advanced search criteria.</a:t>
-            </a:r>
-            <a:br>
-              <a:rPr lang="en-US" sz="2400" dirty="0" smtClean="0">
-                <a:solidFill>
-                  <a:schemeClr val="accent6"/>
-                </a:solidFill>
-              </a:rPr>
-            </a:br>
-            <a:r>
-              <a:rPr lang="en-US" sz="2400" dirty="0" smtClean="0">
-                <a:solidFill>
-                  <a:schemeClr val="accent6"/>
-                </a:solidFill>
-              </a:rPr>
-              <a:t/>
-            </a:r>
-            <a:br>
-              <a:rPr lang="en-US" sz="2400" dirty="0" smtClean="0">
-                <a:solidFill>
-                  <a:schemeClr val="accent6"/>
-                </a:solidFill>
-              </a:rPr>
-            </a:br>
-            <a:r>
-              <a:rPr lang="en-US" sz="2400" dirty="0" smtClean="0">
-                <a:solidFill>
-                  <a:schemeClr val="accent6"/>
-                </a:solidFill>
-              </a:rPr>
-              <a:t>Examples:</a:t>
-            </a:r>
-            <a:br>
-              <a:rPr lang="en-US" sz="2400" dirty="0" smtClean="0">
-                <a:solidFill>
-                  <a:schemeClr val="accent6"/>
-                </a:solidFill>
-              </a:rPr>
-            </a:br>
-            <a:r>
-              <a:rPr lang="en-US" sz="2400" dirty="0" err="1" smtClean="0">
-                <a:solidFill>
-                  <a:schemeClr val="bg1"/>
-                </a:solidFill>
-              </a:rPr>
-              <a:t>pkill</a:t>
-            </a:r>
-            <a:r>
-              <a:rPr lang="en-US" sz="2400" dirty="0" smtClean="0">
-                <a:solidFill>
-                  <a:schemeClr val="bg1"/>
-                </a:solidFill>
-              </a:rPr>
-              <a:t> –SIGKILL –u bob </a:t>
-            </a:r>
-            <a:r>
-              <a:rPr lang="en-US" sz="2400" dirty="0" smtClean="0">
-                <a:solidFill>
-                  <a:schemeClr val="accent6"/>
-                </a:solidFill>
-              </a:rPr>
-              <a:t>=&gt; kills all processes owned by bob.</a:t>
-            </a:r>
-            <a:br>
-              <a:rPr lang="en-US" sz="2400" dirty="0" smtClean="0">
-                <a:solidFill>
-                  <a:schemeClr val="accent6"/>
-                </a:solidFill>
-              </a:rPr>
-            </a:br>
-            <a:r>
-              <a:rPr lang="en-US" sz="2400" dirty="0" smtClean="0">
-                <a:solidFill>
-                  <a:schemeClr val="accent6"/>
-                </a:solidFill>
-              </a:rPr>
-              <a:t/>
-            </a:r>
-            <a:br>
-              <a:rPr lang="en-US" sz="2400" dirty="0" smtClean="0">
-                <a:solidFill>
-                  <a:schemeClr val="accent6"/>
-                </a:solidFill>
-              </a:rPr>
-            </a:br>
-            <a:r>
-              <a:rPr lang="en-US" sz="2400" dirty="0" smtClean="0">
-                <a:solidFill>
-                  <a:schemeClr val="accent6"/>
-                </a:solidFill>
-              </a:rPr>
-              <a:t>When Linux processes are started, they are started with a specific priority. By default, all regular processes are equal and started with the same priority (20). In some cases, it is useful to change the default priority that was assigned to the process when it was started. Use </a:t>
+              <a:t>. By default, all regular processes are equal and started with the same priority (20). In some cases, it is useful to change the default priority that was assigned to the process when it was started. Use </a:t>
             </a:r>
             <a:r>
               <a:rPr lang="en-US" sz="2400" dirty="0" smtClean="0">
